--- a/Python-SheCodesNow_dataanalysis.pptx
+++ b/Python-SheCodesNow_dataanalysis.pptx
@@ -5,10 +5,10 @@
     <p:sldMasterId id="2147483720" r:id="rId1"/>
   </p:sldMasterIdLst>
   <p:notesMasterIdLst>
-    <p:notesMasterId r:id="rId10"/>
+    <p:notesMasterId r:id="rId11"/>
   </p:notesMasterIdLst>
   <p:handoutMasterIdLst>
-    <p:handoutMasterId r:id="rId11"/>
+    <p:handoutMasterId r:id="rId12"/>
   </p:handoutMasterIdLst>
   <p:sldIdLst>
     <p:sldId id="258" r:id="rId2"/>
@@ -16,9 +16,10 @@
     <p:sldId id="334" r:id="rId4"/>
     <p:sldId id="303" r:id="rId5"/>
     <p:sldId id="280" r:id="rId6"/>
-    <p:sldId id="343" r:id="rId7"/>
-    <p:sldId id="290" r:id="rId8"/>
-    <p:sldId id="263" r:id="rId9"/>
+    <p:sldId id="344" r:id="rId7"/>
+    <p:sldId id="343" r:id="rId8"/>
+    <p:sldId id="290" r:id="rId9"/>
+    <p:sldId id="263" r:id="rId10"/>
   </p:sldIdLst>
   <p:sldSz cx="12192000" cy="6858000"/>
   <p:notesSz cx="6858000" cy="9144000"/>
@@ -156,7 +157,7 @@
           <p:cNvPr id="2" name="Header Placeholder 1">
             <a:extLst>
               <a:ext uri="{FF2B5EF4-FFF2-40B4-BE49-F238E27FC236}">
-                <a16:creationId xmlns:a16="http://schemas.microsoft.com/office/drawing/2014/main" xmlns="" id="{89BBB378-9921-4B3E-9A53-AAA4CD5C5FF9}"/>
+                <a16:creationId xmlns="" xmlns:a16="http://schemas.microsoft.com/office/drawing/2014/main" id="{89BBB378-9921-4B3E-9A53-AAA4CD5C5FF9}"/>
               </a:ext>
             </a:extLst>
           </p:cNvPr>
@@ -193,7 +194,7 @@
           <p:cNvPr id="3" name="Date Placeholder 2">
             <a:extLst>
               <a:ext uri="{FF2B5EF4-FFF2-40B4-BE49-F238E27FC236}">
-                <a16:creationId xmlns:a16="http://schemas.microsoft.com/office/drawing/2014/main" xmlns="" id="{F97479CA-8D94-4BF8-901D-3C9E3B50ED3A}"/>
+                <a16:creationId xmlns="" xmlns:a16="http://schemas.microsoft.com/office/drawing/2014/main" id="{F97479CA-8D94-4BF8-901D-3C9E3B50ED3A}"/>
               </a:ext>
             </a:extLst>
           </p:cNvPr>
@@ -223,7 +224,7 @@
           <a:p>
             <a:fld id="{A030F1CE-CEF0-4F06-876C-7E7BA8844B15}" type="datetimeFigureOut">
               <a:rPr lang="en-US" smtClean="0"/>
-              <a:t>10/13/17</a:t>
+              <a:t>10/14/17</a:t>
             </a:fld>
             <a:endParaRPr lang="en-US"/>
           </a:p>
@@ -234,7 +235,7 @@
           <p:cNvPr id="4" name="Footer Placeholder 3">
             <a:extLst>
               <a:ext uri="{FF2B5EF4-FFF2-40B4-BE49-F238E27FC236}">
-                <a16:creationId xmlns:a16="http://schemas.microsoft.com/office/drawing/2014/main" xmlns="" id="{A424F080-842F-482C-A546-11A35A067D4F}"/>
+                <a16:creationId xmlns="" xmlns:a16="http://schemas.microsoft.com/office/drawing/2014/main" id="{A424F080-842F-482C-A546-11A35A067D4F}"/>
               </a:ext>
             </a:extLst>
           </p:cNvPr>
@@ -271,7 +272,7 @@
           <p:cNvPr id="5" name="Slide Number Placeholder 4">
             <a:extLst>
               <a:ext uri="{FF2B5EF4-FFF2-40B4-BE49-F238E27FC236}">
-                <a16:creationId xmlns:a16="http://schemas.microsoft.com/office/drawing/2014/main" xmlns="" id="{F3A56803-188A-4373-B09B-8858316420D9}"/>
+                <a16:creationId xmlns="" xmlns:a16="http://schemas.microsoft.com/office/drawing/2014/main" id="{F3A56803-188A-4373-B09B-8858316420D9}"/>
               </a:ext>
             </a:extLst>
           </p:cNvPr>
@@ -401,7 +402,7 @@
           <a:p>
             <a:fld id="{118DEC05-F682-48E6-9558-FFF6A54E1853}" type="datetimeFigureOut">
               <a:rPr lang="en-US" smtClean="0"/>
-              <a:t>10/13/17</a:t>
+              <a:t>10/14/17</a:t>
             </a:fld>
             <a:endParaRPr lang="en-US" dirty="0"/>
           </a:p>
@@ -1144,7 +1145,7 @@
           <a:p>
             <a:fld id="{361E70C6-74B0-4271-BCFC-331A32DEC7B0}" type="slidenum">
               <a:rPr lang="en-US" smtClean="0"/>
-              <a:t>6</a:t>
+              <a:t>7</a:t>
             </a:fld>
             <a:endParaRPr lang="en-US" dirty="0"/>
           </a:p>
@@ -1236,7 +1237,7 @@
           <a:p>
             <a:fld id="{361E70C6-74B0-4271-BCFC-331A32DEC7B0}" type="slidenum">
               <a:rPr lang="en-US" smtClean="0"/>
-              <a:t>8</a:t>
+              <a:t>9</a:t>
             </a:fld>
             <a:endParaRPr lang="en-US" dirty="0"/>
           </a:p>
@@ -3405,7 +3406,7 @@
           <p:cNvPr id="2" name="Title 1">
             <a:extLst>
               <a:ext uri="{FF2B5EF4-FFF2-40B4-BE49-F238E27FC236}">
-                <a16:creationId xmlns:a16="http://schemas.microsoft.com/office/drawing/2014/main" xmlns="" id="{0BA42559-9608-4EC9-8118-4D09177DD1A4}"/>
+                <a16:creationId xmlns="" xmlns:a16="http://schemas.microsoft.com/office/drawing/2014/main" id="{0BA42559-9608-4EC9-8118-4D09177DD1A4}"/>
               </a:ext>
             </a:extLst>
           </p:cNvPr>
@@ -3519,7 +3520,7 @@
           <p:cNvPr id="4" name="Title 1">
             <a:extLst>
               <a:ext uri="{FF2B5EF4-FFF2-40B4-BE49-F238E27FC236}">
-                <a16:creationId xmlns:a16="http://schemas.microsoft.com/office/drawing/2014/main" xmlns="" id="{9826B350-28A0-46F5-8643-BF2A7F7F2496}"/>
+                <a16:creationId xmlns="" xmlns:a16="http://schemas.microsoft.com/office/drawing/2014/main" id="{9826B350-28A0-46F5-8643-BF2A7F7F2496}"/>
               </a:ext>
             </a:extLst>
           </p:cNvPr>
@@ -3697,7 +3698,7 @@
           <p:cNvPr id="5" name="Content Placeholder 4">
             <a:extLst>
               <a:ext uri="{FF2B5EF4-FFF2-40B4-BE49-F238E27FC236}">
-                <a16:creationId xmlns:a16="http://schemas.microsoft.com/office/drawing/2014/main" xmlns="" id="{FB7331CD-283F-498E-9F25-9AD057481E7B}"/>
+                <a16:creationId xmlns="" xmlns:a16="http://schemas.microsoft.com/office/drawing/2014/main" id="{FB7331CD-283F-498E-9F25-9AD057481E7B}"/>
               </a:ext>
             </a:extLst>
           </p:cNvPr>
@@ -3727,14 +3728,14 @@
                 <a:gridCol w="2808514">
                   <a:extLst>
                     <a:ext uri="{9D8B030D-6E8A-4147-A177-3AD203B41FA5}">
-                      <a16:colId xmlns:a16="http://schemas.microsoft.com/office/drawing/2014/main" xmlns="" val="3204391696"/>
+                      <a16:colId xmlns="" xmlns:a16="http://schemas.microsoft.com/office/drawing/2014/main" val="3204391696"/>
                     </a:ext>
                   </a:extLst>
                 </a:gridCol>
                 <a:gridCol w="5355771">
                   <a:extLst>
                     <a:ext uri="{9D8B030D-6E8A-4147-A177-3AD203B41FA5}">
-                      <a16:colId xmlns:a16="http://schemas.microsoft.com/office/drawing/2014/main" xmlns="" val="3464139880"/>
+                      <a16:colId xmlns="" xmlns:a16="http://schemas.microsoft.com/office/drawing/2014/main" val="3464139880"/>
                     </a:ext>
                   </a:extLst>
                 </a:gridCol>
@@ -3789,7 +3790,7 @@
                 </a:tc>
                 <a:extLst>
                   <a:ext uri="{0D108BD9-81ED-4DB2-BD59-A6C34878D82A}">
-                    <a16:rowId xmlns:a16="http://schemas.microsoft.com/office/drawing/2014/main" xmlns="" val="3927158919"/>
+                    <a16:rowId xmlns="" xmlns:a16="http://schemas.microsoft.com/office/drawing/2014/main" val="3927158919"/>
                   </a:ext>
                 </a:extLst>
               </a:tr>
@@ -3866,7 +3867,7 @@
                 </a:tc>
                 <a:extLst>
                   <a:ext uri="{0D108BD9-81ED-4DB2-BD59-A6C34878D82A}">
-                    <a16:rowId xmlns:a16="http://schemas.microsoft.com/office/drawing/2014/main" xmlns="" val="3276275298"/>
+                    <a16:rowId xmlns="" xmlns:a16="http://schemas.microsoft.com/office/drawing/2014/main" val="3276275298"/>
                   </a:ext>
                 </a:extLst>
               </a:tr>
@@ -3945,7 +3946,7 @@
                 </a:tc>
                 <a:extLst>
                   <a:ext uri="{0D108BD9-81ED-4DB2-BD59-A6C34878D82A}">
-                    <a16:rowId xmlns:a16="http://schemas.microsoft.com/office/drawing/2014/main" xmlns="" val="1056320065"/>
+                    <a16:rowId xmlns="" xmlns:a16="http://schemas.microsoft.com/office/drawing/2014/main" val="1056320065"/>
                   </a:ext>
                 </a:extLst>
               </a:tr>
@@ -4036,7 +4037,7 @@
                 </a:tc>
                 <a:extLst>
                   <a:ext uri="{0D108BD9-81ED-4DB2-BD59-A6C34878D82A}">
-                    <a16:rowId xmlns:a16="http://schemas.microsoft.com/office/drawing/2014/main" xmlns="" val="543436228"/>
+                    <a16:rowId xmlns="" xmlns:a16="http://schemas.microsoft.com/office/drawing/2014/main" val="543436228"/>
                   </a:ext>
                 </a:extLst>
               </a:tr>
@@ -4119,7 +4120,7 @@
                 </a:tc>
                 <a:extLst>
                   <a:ext uri="{0D108BD9-81ED-4DB2-BD59-A6C34878D82A}">
-                    <a16:rowId xmlns:a16="http://schemas.microsoft.com/office/drawing/2014/main" xmlns="" val="811922782"/>
+                    <a16:rowId xmlns="" xmlns:a16="http://schemas.microsoft.com/office/drawing/2014/main" val="811922782"/>
                   </a:ext>
                 </a:extLst>
               </a:tr>
@@ -4352,7 +4353,7 @@
           <p:cNvPr id="6" name="Content Placeholder 5">
             <a:extLst>
               <a:ext uri="{FF2B5EF4-FFF2-40B4-BE49-F238E27FC236}">
-                <a16:creationId xmlns:a16="http://schemas.microsoft.com/office/drawing/2014/main" xmlns="" id="{C36ACE61-06D7-4889-801E-46BF1ACC9061}"/>
+                <a16:creationId xmlns="" xmlns:a16="http://schemas.microsoft.com/office/drawing/2014/main" id="{C36ACE61-06D7-4889-801E-46BF1ACC9061}"/>
               </a:ext>
             </a:extLst>
           </p:cNvPr>
@@ -4599,7 +4600,7 @@
           <p:cNvPr id="4" name="Picture 3">
             <a:extLst>
               <a:ext uri="{FF2B5EF4-FFF2-40B4-BE49-F238E27FC236}">
-                <a16:creationId xmlns:a16="http://schemas.microsoft.com/office/drawing/2014/main" xmlns="" id="{9CF32ABA-64F3-49DC-BDFE-77395B6CE16F}"/>
+                <a16:creationId xmlns="" xmlns:a16="http://schemas.microsoft.com/office/drawing/2014/main" id="{9CF32ABA-64F3-49DC-BDFE-77395B6CE16F}"/>
               </a:ext>
             </a:extLst>
           </p:cNvPr>
@@ -5104,7 +5105,7 @@
           <p:cNvPr id="6" name="Content Placeholder 5">
             <a:extLst>
               <a:ext uri="{FF2B5EF4-FFF2-40B4-BE49-F238E27FC236}">
-                <a16:creationId xmlns:a16="http://schemas.microsoft.com/office/drawing/2014/main" xmlns="" id="{C36ACE61-06D7-4889-801E-46BF1ACC9061}"/>
+                <a16:creationId xmlns="" xmlns:a16="http://schemas.microsoft.com/office/drawing/2014/main" id="{C36ACE61-06D7-4889-801E-46BF1ACC9061}"/>
               </a:ext>
             </a:extLst>
           </p:cNvPr>
@@ -5301,7 +5302,7 @@
           <p:cNvPr id="7" name="Title 1">
             <a:extLst>
               <a:ext uri="{FF2B5EF4-FFF2-40B4-BE49-F238E27FC236}">
-                <a16:creationId xmlns:a16="http://schemas.microsoft.com/office/drawing/2014/main" xmlns="" id="{0782CC5A-ABA0-4FAD-90D9-EF064732485D}"/>
+                <a16:creationId xmlns="" xmlns:a16="http://schemas.microsoft.com/office/drawing/2014/main" id="{0782CC5A-ABA0-4FAD-90D9-EF064732485D}"/>
               </a:ext>
             </a:extLst>
           </p:cNvPr>
@@ -5361,7 +5362,7 @@
           <p:cNvPr id="8" name="Title 1">
             <a:extLst>
               <a:ext uri="{FF2B5EF4-FFF2-40B4-BE49-F238E27FC236}">
-                <a16:creationId xmlns:a16="http://schemas.microsoft.com/office/drawing/2014/main" xmlns="" id="{F593614F-97CD-4514-9A0A-63B9C639DAEB}"/>
+                <a16:creationId xmlns="" xmlns:a16="http://schemas.microsoft.com/office/drawing/2014/main" id="{F593614F-97CD-4514-9A0A-63B9C639DAEB}"/>
               </a:ext>
             </a:extLst>
           </p:cNvPr>
@@ -5425,7 +5426,7 @@
           <p:cNvPr id="10" name="Picture 9">
             <a:extLst>
               <a:ext uri="{FF2B5EF4-FFF2-40B4-BE49-F238E27FC236}">
-                <a16:creationId xmlns:a16="http://schemas.microsoft.com/office/drawing/2014/main" xmlns="" id="{DD3D4C70-79BD-4CFC-83BD-2E89BE08F027}"/>
+                <a16:creationId xmlns="" xmlns:a16="http://schemas.microsoft.com/office/drawing/2014/main" id="{DD3D4C70-79BD-4CFC-83BD-2E89BE08F027}"/>
               </a:ext>
             </a:extLst>
           </p:cNvPr>
@@ -6015,7 +6016,7 @@
           <p:cNvPr id="2" name="Title 1">
             <a:extLst>
               <a:ext uri="{FF2B5EF4-FFF2-40B4-BE49-F238E27FC236}">
-                <a16:creationId xmlns:a16="http://schemas.microsoft.com/office/drawing/2014/main" xmlns="" id="{BB83A2A9-5EF0-4333-9BFA-7102A3BDFD2D}"/>
+                <a16:creationId xmlns="" xmlns:a16="http://schemas.microsoft.com/office/drawing/2014/main" id="{BB83A2A9-5EF0-4333-9BFA-7102A3BDFD2D}"/>
               </a:ext>
             </a:extLst>
           </p:cNvPr>
@@ -6067,7 +6068,7 @@
           <p:cNvPr id="3" name="TextBox 2">
             <a:extLst>
               <a:ext uri="{FF2B5EF4-FFF2-40B4-BE49-F238E27FC236}">
-                <a16:creationId xmlns:a16="http://schemas.microsoft.com/office/drawing/2014/main" xmlns="" id="{F4623364-81DD-4FB2-A88D-0C17AA37126C}"/>
+                <a16:creationId xmlns="" xmlns:a16="http://schemas.microsoft.com/office/drawing/2014/main" id="{F4623364-81DD-4FB2-A88D-0C17AA37126C}"/>
               </a:ext>
             </a:extLst>
           </p:cNvPr>
@@ -6166,7 +6167,7 @@
           <p:cNvPr id="5" name="Title 1">
             <a:extLst>
               <a:ext uri="{FF2B5EF4-FFF2-40B4-BE49-F238E27FC236}">
-                <a16:creationId xmlns:a16="http://schemas.microsoft.com/office/drawing/2014/main" xmlns="" id="{BB83A2A9-5EF0-4333-9BFA-7102A3BDFD2D}"/>
+                <a16:creationId xmlns="" xmlns:a16="http://schemas.microsoft.com/office/drawing/2014/main" id="{BB83A2A9-5EF0-4333-9BFA-7102A3BDFD2D}"/>
               </a:ext>
             </a:extLst>
           </p:cNvPr>
@@ -6266,10 +6267,136 @@
       </p:grpSpPr>
       <p:sp>
         <p:nvSpPr>
+          <p:cNvPr id="2" name="Title 1"/>
+          <p:cNvSpPr>
+            <a:spLocks noGrp="1"/>
+          </p:cNvSpPr>
+          <p:nvPr>
+            <p:ph type="title"/>
+          </p:nvPr>
+        </p:nvSpPr>
+        <p:spPr/>
+        <p:txBody>
+          <a:bodyPr/>
+          <a:lstStyle/>
+          <a:p>
+            <a:r>
+              <a:rPr lang="en-US" dirty="0" smtClean="0"/>
+              <a:t>Data Analysis Example</a:t>
+            </a:r>
+            <a:endParaRPr lang="en-US" dirty="0"/>
+          </a:p>
+        </p:txBody>
+      </p:sp>
+      <p:sp>
+        <p:nvSpPr>
+          <p:cNvPr id="3" name="Content Placeholder 2"/>
+          <p:cNvSpPr>
+            <a:spLocks noGrp="1"/>
+          </p:cNvSpPr>
+          <p:nvPr>
+            <p:ph idx="1"/>
+          </p:nvPr>
+        </p:nvSpPr>
+        <p:spPr/>
+        <p:txBody>
+          <a:bodyPr/>
+          <a:lstStyle/>
+          <a:p>
+            <a:endParaRPr lang="en-US" dirty="0" smtClean="0"/>
+          </a:p>
+          <a:p>
+            <a:r>
+              <a:rPr lang="en-US" dirty="0"/>
+              <a:t>Go </a:t>
+            </a:r>
+            <a:r>
+              <a:rPr lang="en-US" dirty="0">
+                <a:hlinkClick r:id="rId2"/>
+              </a:rPr>
+              <a:t>https://</a:t>
+            </a:r>
+            <a:r>
+              <a:rPr lang="en-US" dirty="0" smtClean="0">
+                <a:hlinkClick r:id="rId2"/>
+              </a:rPr>
+              <a:t>github.com/She-Codes-Now/Intro-to-Python-MESA</a:t>
+            </a:r>
+            <a:r>
+              <a:rPr lang="en-US" dirty="0" smtClean="0"/>
+              <a:t> </a:t>
+            </a:r>
+          </a:p>
+          <a:p>
+            <a:r>
+              <a:rPr lang="en-US" smtClean="0"/>
+              <a:t>Data from </a:t>
+            </a:r>
+            <a:r>
+              <a:rPr lang="en-US" dirty="0" smtClean="0">
+                <a:hlinkClick r:id="rId3"/>
+              </a:rPr>
+              <a:t>Wall Street Journal </a:t>
+            </a:r>
+            <a:endParaRPr lang="en-US" dirty="0" smtClean="0"/>
+          </a:p>
+          <a:p>
+            <a:pPr lvl="1"/>
+            <a:r>
+              <a:rPr lang="en-US" i="1" dirty="0"/>
+              <a:t>Your parents might have worried when you chose Philosophy or International Relations as a major. But a year-long survey of 1.2 million people with only a bachelor's degree by </a:t>
+            </a:r>
+            <a:r>
+              <a:rPr lang="en-US" i="1" dirty="0" err="1"/>
+              <a:t>PayScale</a:t>
+            </a:r>
+            <a:r>
+              <a:rPr lang="en-US" i="1" dirty="0"/>
+              <a:t> Inc. shows that graduates in these subjects earned 103.5% and 97.8% more, respectively, about 10 years post-commencement. Majors that didn't show as much salary growth include Nursing and Information Technology. </a:t>
+            </a:r>
+            <a:endParaRPr lang="en-US" i="1" dirty="0" smtClean="0"/>
+          </a:p>
+          <a:p>
+            <a:endParaRPr lang="en-US" dirty="0"/>
+          </a:p>
+        </p:txBody>
+      </p:sp>
+    </p:spTree>
+    <p:extLst>
+      <p:ext uri="{BB962C8B-B14F-4D97-AF65-F5344CB8AC3E}">
+        <p14:creationId xmlns:p14="http://schemas.microsoft.com/office/powerpoint/2010/main" val="1756662124"/>
+      </p:ext>
+    </p:extLst>
+  </p:cSld>
+  <p:clrMapOvr>
+    <a:masterClrMapping/>
+  </p:clrMapOvr>
+</p:sld>
+</file>
+
+<file path=ppt/slides/slide7.xml><?xml version="1.0" encoding="utf-8"?>
+<p:sld xmlns:a="http://schemas.openxmlformats.org/drawingml/2006/main" xmlns:r="http://schemas.openxmlformats.org/officeDocument/2006/relationships" xmlns:p="http://schemas.openxmlformats.org/presentationml/2006/main">
+  <p:cSld>
+    <p:spTree>
+      <p:nvGrpSpPr>
+        <p:cNvPr id="1" name=""/>
+        <p:cNvGrpSpPr/>
+        <p:nvPr/>
+      </p:nvGrpSpPr>
+      <p:grpSpPr>
+        <a:xfrm>
+          <a:off x="0" y="0"/>
+          <a:ext cx="0" cy="0"/>
+          <a:chOff x="0" y="0"/>
+          <a:chExt cx="0" cy="0"/>
+        </a:xfrm>
+      </p:grpSpPr>
+      <p:sp>
+        <p:nvSpPr>
           <p:cNvPr id="2" name="Title 1">
             <a:extLst>
               <a:ext uri="{FF2B5EF4-FFF2-40B4-BE49-F238E27FC236}">
-                <a16:creationId xmlns:a16="http://schemas.microsoft.com/office/drawing/2014/main" xmlns="" id="{D4FDFA26-B2D7-4778-8D3C-562ECC68443D}"/>
+                <a16:creationId xmlns="" xmlns:a16="http://schemas.microsoft.com/office/drawing/2014/main" id="{D4FDFA26-B2D7-4778-8D3C-562ECC68443D}"/>
               </a:ext>
             </a:extLst>
           </p:cNvPr>
@@ -6301,7 +6428,7 @@
           <p:cNvPr id="3" name="Content Placeholder 2">
             <a:extLst>
               <a:ext uri="{FF2B5EF4-FFF2-40B4-BE49-F238E27FC236}">
-                <a16:creationId xmlns:a16="http://schemas.microsoft.com/office/drawing/2014/main" xmlns="" id="{4D8C8BF7-8DE3-4549-8CFC-9E122DCDAF07}"/>
+                <a16:creationId xmlns="" xmlns:a16="http://schemas.microsoft.com/office/drawing/2014/main" id="{4D8C8BF7-8DE3-4549-8CFC-9E122DCDAF07}"/>
               </a:ext>
             </a:extLst>
           </p:cNvPr>
@@ -6585,7 +6712,7 @@
 </p:sld>
 </file>
 
-<file path=ppt/slides/slide7.xml><?xml version="1.0" encoding="utf-8"?>
+<file path=ppt/slides/slide8.xml><?xml version="1.0" encoding="utf-8"?>
 <p:sld xmlns:a="http://schemas.openxmlformats.org/drawingml/2006/main" xmlns:r="http://schemas.openxmlformats.org/officeDocument/2006/relationships" xmlns:p="http://schemas.openxmlformats.org/presentationml/2006/main">
   <p:cSld>
     <p:spTree>
@@ -6607,7 +6734,7 @@
           <p:cNvPr id="2" name="Title 1">
             <a:extLst>
               <a:ext uri="{FF2B5EF4-FFF2-40B4-BE49-F238E27FC236}">
-                <a16:creationId xmlns:a16="http://schemas.microsoft.com/office/drawing/2014/main" xmlns="" id="{A5AF6C0C-A133-4ECE-BE2B-91CDFCCB059B}"/>
+                <a16:creationId xmlns="" xmlns:a16="http://schemas.microsoft.com/office/drawing/2014/main" id="{A5AF6C0C-A133-4ECE-BE2B-91CDFCCB059B}"/>
               </a:ext>
             </a:extLst>
           </p:cNvPr>
@@ -6653,7 +6780,7 @@
 </p:sld>
 </file>
 
-<file path=ppt/slides/slide8.xml><?xml version="1.0" encoding="utf-8"?>
+<file path=ppt/slides/slide9.xml><?xml version="1.0" encoding="utf-8"?>
 <p:sld xmlns:a="http://schemas.openxmlformats.org/drawingml/2006/main" xmlns:r="http://schemas.openxmlformats.org/officeDocument/2006/relationships" xmlns:p="http://schemas.openxmlformats.org/presentationml/2006/main">
   <p:cSld>
     <p:spTree>
@@ -6712,7 +6839,7 @@
           <p:cNvPr id="6" name="Content Placeholder 5">
             <a:extLst>
               <a:ext uri="{FF2B5EF4-FFF2-40B4-BE49-F238E27FC236}">
-                <a16:creationId xmlns:a16="http://schemas.microsoft.com/office/drawing/2014/main" xmlns="" id="{19CAE1FF-8C9E-4616-A44E-56CDF8F4009E}"/>
+                <a16:creationId xmlns="" xmlns:a16="http://schemas.microsoft.com/office/drawing/2014/main" id="{19CAE1FF-8C9E-4616-A44E-56CDF8F4009E}"/>
               </a:ext>
             </a:extLst>
           </p:cNvPr>
